--- a/Group_Presentation.pptx
+++ b/Group_Presentation.pptx
@@ -3818,7 +3818,7 @@
           <a:p>
             <a:fld id="{EA0C0817-A112-4847-8014-A94B7D2A4EA3}" type="datetime1">
               <a:rPr lang="en-US" smtClean="0"/>
-              <a:t>10/24/2023</a:t>
+              <a:t>10/25/2023</a:t>
             </a:fld>
             <a:endParaRPr lang="en-US"/>
           </a:p>
@@ -4030,7 +4030,7 @@
           <a:p>
             <a:fld id="{134F40B7-36AB-4376-BE14-EF7004D79BB9}" type="datetime1">
               <a:rPr lang="en-US" smtClean="0"/>
-              <a:t>10/24/2023</a:t>
+              <a:t>10/25/2023</a:t>
             </a:fld>
             <a:endParaRPr lang="en-US"/>
           </a:p>
@@ -4220,7 +4220,7 @@
           <a:p>
             <a:fld id="{FF87CAB8-DCAE-46A5-AADA-B3FAD11A54E0}" type="datetime1">
               <a:rPr lang="en-US" smtClean="0"/>
-              <a:t>10/24/2023</a:t>
+              <a:t>10/25/2023</a:t>
             </a:fld>
             <a:endParaRPr lang="en-US"/>
           </a:p>
@@ -4400,7 +4400,7 @@
           <a:p>
             <a:fld id="{7332B432-ACDA-4023-A761-2BAB76577B62}" type="datetime1">
               <a:rPr lang="en-US" smtClean="0"/>
-              <a:t>10/24/2023</a:t>
+              <a:t>10/25/2023</a:t>
             </a:fld>
             <a:endParaRPr lang="en-US"/>
           </a:p>
@@ -5010,7 +5010,7 @@
           <a:p>
             <a:fld id="{D9C646AA-F36E-4540-911D-FFFC0A0EF24A}" type="datetime1">
               <a:rPr lang="en-US" smtClean="0"/>
-              <a:t>10/24/2023</a:t>
+              <a:t>10/25/2023</a:t>
             </a:fld>
             <a:endParaRPr lang="en-US"/>
           </a:p>
@@ -5339,7 +5339,7 @@
           <a:p>
             <a:fld id="{69186D26-FA5F-4637-B602-B7C2DC34CFD4}" type="datetime1">
               <a:rPr lang="en-US" smtClean="0"/>
-              <a:t>10/24/2023</a:t>
+              <a:t>10/25/2023</a:t>
             </a:fld>
             <a:endParaRPr lang="en-US"/>
           </a:p>
@@ -5785,7 +5785,7 @@
           <a:p>
             <a:fld id="{8A7F15D8-96D1-4781-BC50-CA8A088B2FE4}" type="datetime1">
               <a:rPr lang="en-US" smtClean="0"/>
-              <a:t>10/24/2023</a:t>
+              <a:t>10/25/2023</a:t>
             </a:fld>
             <a:endParaRPr lang="en-US"/>
           </a:p>
@@ -5914,7 +5914,7 @@
           <a:p>
             <a:fld id="{F9A96C99-B8F8-4528-BD05-0E16E943DC09}" type="datetime1">
               <a:rPr lang="en-US" smtClean="0"/>
-              <a:t>10/24/2023</a:t>
+              <a:t>10/25/2023</a:t>
             </a:fld>
             <a:endParaRPr lang="en-US"/>
           </a:p>
@@ -6021,7 +6021,7 @@
           <a:p>
             <a:fld id="{03636942-C211-4B28-8DBD-C953E00AF71B}" type="datetime1">
               <a:rPr lang="en-US" smtClean="0"/>
-              <a:t>10/24/2023</a:t>
+              <a:t>10/25/2023</a:t>
             </a:fld>
             <a:endParaRPr lang="en-US"/>
           </a:p>
@@ -6448,7 +6448,7 @@
           <a:p>
             <a:fld id="{7E8D12A6-918A-48BD-8CB9-CA713993B0EA}" type="datetime1">
               <a:rPr lang="en-US" smtClean="0"/>
-              <a:t>10/24/2023</a:t>
+              <a:t>10/25/2023</a:t>
             </a:fld>
             <a:endParaRPr lang="en-US"/>
           </a:p>
@@ -6721,7 +6721,7 @@
             <a:fld id="{E778CE86-875F-4587-BCF6-FA054AFC0D53}" type="datetime1">
               <a:rPr lang="en-US" smtClean="0"/>
               <a:pPr/>
-              <a:t>10/24/2023</a:t>
+              <a:t>10/25/2023</a:t>
             </a:fld>
             <a:endParaRPr lang="en-US"/>
           </a:p>
@@ -7246,7 +7246,7 @@
           <a:p>
             <a:fld id="{F6FA2B21-3FCD-4721-B95C-427943F61125}" type="datetime1">
               <a:rPr lang="en-US" smtClean="0"/>
-              <a:t>10/24/2023</a:t>
+              <a:t>10/25/2023</a:t>
             </a:fld>
             <a:endParaRPr lang="en-US"/>
           </a:p>
@@ -7872,6 +7872,13 @@
             <a:softEdge rad="0"/>
           </a:effectLst>
         </p:spPr>
+        <p:txBody>
+          <a:bodyPr/>
+          <a:lstStyle/>
+          <a:p>
+            <a:endParaRPr lang="en-GB"/>
+          </a:p>
+        </p:txBody>
       </p:sp>
       <p:sp>
         <p:nvSpPr>
@@ -7988,6 +7995,13 @@
           </a:ln>
           <a:effectLst/>
         </p:spPr>
+        <p:txBody>
+          <a:bodyPr/>
+          <a:lstStyle/>
+          <a:p>
+            <a:endParaRPr lang="en-GB"/>
+          </a:p>
+        </p:txBody>
       </p:sp>
     </p:spTree>
     <p:extLst>
@@ -8310,7 +8324,7 @@
                 <a:ea typeface="+mn-lt"/>
                 <a:cs typeface="+mn-lt"/>
               </a:rPr>
-              <a:t>"Q&amp;A</a:t>
+              <a:t>"Q&amp;A”</a:t>
             </a:r>
             <a:endParaRPr lang="en-US">
               <a:ea typeface="+mn-lt"/>
@@ -8321,7 +8335,7 @@
             <a:pPr algn="ctr">
               <a:buNone/>
             </a:pPr>
-            <a:endParaRPr lang="en-US" i="1">
+            <a:endParaRPr lang="en-US" i="1" dirty="0">
               <a:ea typeface="+mn-lt"/>
               <a:cs typeface="+mn-lt"/>
             </a:endParaRPr>
@@ -8336,7 +8350,7 @@
               </a:buClr>
               <a:buNone/>
             </a:pPr>
-            <a:endParaRPr lang="en-US" i="1">
+            <a:endParaRPr lang="en-US" i="1" dirty="0">
               <a:ea typeface="+mn-lt"/>
               <a:cs typeface="+mn-lt"/>
             </a:endParaRPr>
@@ -8350,13 +8364,13 @@
               <a:buChar char="◦"/>
             </a:pPr>
             <a:r>
-              <a:rPr lang="en-US">
+              <a:rPr lang="en-US" dirty="0">
                 <a:ea typeface="+mn-lt"/>
                 <a:cs typeface="+mn-lt"/>
               </a:rPr>
               <a:t>We open the floor to any questions, comments, or discussions.</a:t>
             </a:r>
-            <a:endParaRPr lang="en-US"/>
+            <a:endParaRPr lang="en-US" dirty="0"/>
           </a:p>
           <a:p>
             <a:pPr>
@@ -8367,7 +8381,7 @@
               <a:buChar char="◦"/>
             </a:pPr>
             <a:r>
-              <a:rPr lang="en-US">
+              <a:rPr lang="en-US" dirty="0">
                 <a:ea typeface="+mn-lt"/>
                 <a:cs typeface="+mn-lt"/>
               </a:rPr>
@@ -8378,7 +8392,7 @@
             <a:pPr>
               <a:buNone/>
             </a:pPr>
-            <a:endParaRPr lang="en-US" i="1"/>
+            <a:endParaRPr lang="en-US" i="1" dirty="0"/>
           </a:p>
         </p:txBody>
       </p:sp>
@@ -8425,6 +8439,13 @@
             <a:softEdge rad="0"/>
           </a:effectLst>
         </p:spPr>
+        <p:txBody>
+          <a:bodyPr/>
+          <a:lstStyle/>
+          <a:p>
+            <a:endParaRPr lang="en-GB"/>
+          </a:p>
+        </p:txBody>
       </p:sp>
       <p:sp>
         <p:nvSpPr>
@@ -8761,6 +8782,13 @@
             <a:softEdge rad="0"/>
           </a:effectLst>
         </p:spPr>
+        <p:txBody>
+          <a:bodyPr/>
+          <a:lstStyle/>
+          <a:p>
+            <a:endParaRPr lang="en-GB"/>
+          </a:p>
+        </p:txBody>
       </p:sp>
       <p:graphicFrame>
         <p:nvGraphicFramePr>
@@ -9527,6 +9555,13 @@
             <a:schemeClr val="lt1"/>
           </a:fontRef>
         </p:style>
+        <p:txBody>
+          <a:bodyPr/>
+          <a:lstStyle/>
+          <a:p>
+            <a:endParaRPr lang="en-GB"/>
+          </a:p>
+        </p:txBody>
       </p:sp>
       <p:sp>
         <p:nvSpPr>
@@ -9586,6 +9621,13 @@
             <a:schemeClr val="lt1"/>
           </a:fontRef>
         </p:style>
+        <p:txBody>
+          <a:bodyPr/>
+          <a:lstStyle/>
+          <a:p>
+            <a:endParaRPr lang="en-GB"/>
+          </a:p>
+        </p:txBody>
       </p:sp>
       <p:sp>
         <p:nvSpPr>
@@ -11004,6 +11046,13 @@
           </a:ln>
           <a:effectLst/>
         </p:spPr>
+        <p:txBody>
+          <a:bodyPr/>
+          <a:lstStyle/>
+          <a:p>
+            <a:endParaRPr lang="en-GB"/>
+          </a:p>
+        </p:txBody>
       </p:sp>
       <p:pic>
         <p:nvPicPr>
@@ -11964,6 +12013,13 @@
             <a:softEdge rad="0"/>
           </a:effectLst>
         </p:spPr>
+        <p:txBody>
+          <a:bodyPr/>
+          <a:lstStyle/>
+          <a:p>
+            <a:endParaRPr lang="en-GB"/>
+          </a:p>
+        </p:txBody>
       </p:sp>
       <p:sp>
         <p:nvSpPr>
@@ -12006,6 +12062,13 @@
           </a:ln>
           <a:effectLst/>
         </p:spPr>
+        <p:txBody>
+          <a:bodyPr/>
+          <a:lstStyle/>
+          <a:p>
+            <a:endParaRPr lang="en-GB"/>
+          </a:p>
+        </p:txBody>
       </p:sp>
       <p:pic>
         <p:nvPicPr>

--- a/Group_Presentation.pptx
+++ b/Group_Presentation.pptx
@@ -8324,7 +8324,14 @@
                 <a:ea typeface="+mn-lt"/>
                 <a:cs typeface="+mn-lt"/>
               </a:rPr>
-              <a:t>"Q&amp;A”</a:t>
+              <a:t>"Q&amp;</a:t>
+            </a:r>
+            <a:r>
+              <a:rPr lang="en-US" sz="1800" i="1">
+                <a:ea typeface="+mn-lt"/>
+                <a:cs typeface="+mn-lt"/>
+              </a:rPr>
+              <a:t>"</a:t>
             </a:r>
             <a:endParaRPr lang="en-US">
               <a:ea typeface="+mn-lt"/>
@@ -12135,13 +12142,13 @@
               <a:buNone/>
             </a:pPr>
             <a:r>
-              <a:rPr lang="en-US" sz="1500" i="1">
+              <a:rPr lang="en-US" sz="1500" i="1" dirty="0">
                 <a:ea typeface="+mn-lt"/>
                 <a:cs typeface="+mn-lt"/>
               </a:rPr>
               <a:t>"Earning Titles and Scoring"</a:t>
             </a:r>
-            <a:endParaRPr lang="en-US"/>
+            <a:endParaRPr lang="en-US" dirty="0"/>
           </a:p>
           <a:p>
             <a:pPr>
@@ -12150,7 +12157,7 @@
               </a:lnSpc>
               <a:buNone/>
             </a:pPr>
-            <a:endParaRPr lang="en-US" sz="1500" i="1">
+            <a:endParaRPr lang="en-US" sz="1500" i="1" dirty="0">
               <a:ea typeface="+mn-lt"/>
               <a:cs typeface="+mn-lt"/>
             </a:endParaRPr>
@@ -12167,7 +12174,7 @@
               <a:buChar char="◦"/>
             </a:pPr>
             <a:r>
-              <a:rPr lang="en-US" sz="1500">
+              <a:rPr lang="en-US" sz="1500" dirty="0">
                 <a:ea typeface="+mn-lt"/>
                 <a:cs typeface="+mn-lt"/>
               </a:rPr>
@@ -12184,7 +12191,7 @@
               </a:buClr>
               <a:buFont typeface="Garamond"/>
             </a:pPr>
-            <a:endParaRPr lang="en-US" sz="1500">
+            <a:endParaRPr lang="en-US" sz="1500" dirty="0">
               <a:ea typeface="+mn-lt"/>
               <a:cs typeface="+mn-lt"/>
             </a:endParaRPr>
@@ -12200,7 +12207,7 @@
               <a:buFont typeface="Garamond"/>
             </a:pPr>
             <a:r>
-              <a:rPr lang="en-US" sz="1500">
+              <a:rPr lang="en-US" sz="1500" dirty="0">
                 <a:ea typeface="+mn-lt"/>
                 <a:cs typeface="+mn-lt"/>
               </a:rPr>
@@ -12218,7 +12225,7 @@
               <a:buFont typeface="Garamond"/>
             </a:pPr>
             <a:r>
-              <a:rPr lang="en-US">
+              <a:rPr lang="en-US" dirty="0">
                 <a:ea typeface="+mn-lt"/>
                 <a:cs typeface="+mn-lt"/>
               </a:rPr>
@@ -12236,7 +12243,7 @@
               <a:buFont typeface="Garamond"/>
             </a:pPr>
             <a:r>
-              <a:rPr lang="en-US">
+              <a:rPr lang="en-US" dirty="0">
                 <a:ea typeface="+mn-lt"/>
                 <a:cs typeface="+mn-lt"/>
               </a:rPr>
@@ -12253,7 +12260,7 @@
               </a:buClr>
               <a:buNone/>
             </a:pPr>
-            <a:endParaRPr lang="en-US">
+            <a:endParaRPr lang="en-US" dirty="0">
               <a:ea typeface="+mn-lt"/>
               <a:cs typeface="+mn-lt"/>
             </a:endParaRPr>
@@ -12269,13 +12276,13 @@
               <a:buFont typeface="Garamond"/>
             </a:pPr>
             <a:r>
-              <a:rPr lang="en-US" sz="1500">
+              <a:rPr lang="en-US" sz="1500" dirty="0">
                 <a:ea typeface="+mn-lt"/>
                 <a:cs typeface="+mn-lt"/>
               </a:rPr>
               <a:t>Scoring:</a:t>
             </a:r>
-            <a:endParaRPr lang="en-US" sz="1500"/>
+            <a:endParaRPr lang="en-US" sz="1500" dirty="0"/>
           </a:p>
           <a:p>
             <a:pPr marL="742950" lvl="1" indent="-285750">
@@ -12288,7 +12295,7 @@
               <a:buFont typeface="Garamond"/>
             </a:pPr>
             <a:r>
-              <a:rPr lang="en-US">
+              <a:rPr lang="en-US" dirty="0">
                 <a:ea typeface="+mn-lt"/>
                 <a:cs typeface="+mn-lt"/>
               </a:rPr>
@@ -12307,7 +12314,7 @@
               <a:buChar char="◦"/>
             </a:pPr>
             <a:r>
-              <a:rPr lang="en-US">
+              <a:rPr lang="en-US" dirty="0">
                 <a:ea typeface="+mn-lt"/>
                 <a:cs typeface="+mn-lt"/>
               </a:rPr>
@@ -12321,7 +12328,7 @@
               </a:lnSpc>
               <a:buNone/>
             </a:pPr>
-            <a:endParaRPr lang="en-US" sz="1500" i="1"/>
+            <a:endParaRPr lang="en-US" sz="1500" i="1" dirty="0"/>
           </a:p>
         </p:txBody>
       </p:sp>

--- a/Group_Presentation.pptx
+++ b/Group_Presentation.pptx
@@ -8320,11 +8320,18 @@
               <a:buNone/>
             </a:pPr>
             <a:r>
+              <a:rPr lang="en-US" i="1" dirty="0">
+                <a:ea typeface="+mn-lt"/>
+                <a:cs typeface="+mn-lt"/>
+              </a:rPr>
+              <a:t>"</a:t>
+            </a:r>
+            <a:r>
               <a:rPr lang="en-US" i="1">
                 <a:ea typeface="+mn-lt"/>
                 <a:cs typeface="+mn-lt"/>
               </a:rPr>
-              <a:t>"Q&amp;</a:t>
+              <a:t>Q&amp;A</a:t>
             </a:r>
             <a:r>
               <a:rPr lang="en-US" sz="1800" i="1">
@@ -8333,7 +8340,7 @@
               </a:rPr>
               <a:t>"</a:t>
             </a:r>
-            <a:endParaRPr lang="en-US">
+            <a:endParaRPr lang="en-US" dirty="0">
               <a:ea typeface="+mn-lt"/>
               <a:cs typeface="+mn-lt"/>
             </a:endParaRPr>
